--- a/presentation/CryptoBankPresentation.pptx
+++ b/presentation/CryptoBankPresentation.pptx
@@ -3140,12 +3140,12 @@
           </a:p>
           <a:p>
             <a:r>
-              <a:t>Date: February 10, 2025</a:t>
-            </a:r>
-          </a:p>
-          <a:p>
-            <a:r>
-              <a:t>Course Name</a:t>
+              <a:t>Date: February 12, 2025</a:t>
+            </a:r>
+          </a:p>
+          <a:p>
+            <a:r>
+              <a:t>Course: Advanced Web Projects</a:t>
             </a:r>
           </a:p>
         </p:txBody>
@@ -3203,14 +3203,37 @@
         <p:txBody>
           <a:bodyPr/>
           <a:lstStyle/>
-          <a:p>
-            <a:r>
-              <a:t>Crypto Bank project aims to revolutionize the way digital transactions are handled.</a:t>
-            </a:r>
-          </a:p>
-          <a:p>
-            <a:r>
-              <a:t>With a focus on security, scalability, and user experience, this platform is poised for success.</a:t>
+          <a:p/>
+          <a:p>
+            <a:pPr>
+              <a:defRPr sz="1800"/>
+            </a:pPr>
+            <a:r>
+              <a:t>Conclusion:</a:t>
+            </a:r>
+          </a:p>
+          <a:p>
+            <a:pPr>
+              <a:defRPr sz="1800"/>
+            </a:pPr>
+            <a:r>
+              <a:t>• The Crypto Bank project aims to revolutionize digital transactions.</a:t>
+            </a:r>
+          </a:p>
+          <a:p>
+            <a:pPr>
+              <a:defRPr sz="1800"/>
+            </a:pPr>
+            <a:r>
+              <a:t>• Focus on security, scalability, and user experience sets it apart.</a:t>
+            </a:r>
+          </a:p>
+          <a:p>
+            <a:pPr>
+              <a:defRPr sz="1800"/>
+            </a:pPr>
+            <a:r>
+              <a:t>• A solid foundation built with modern technologies paves the way for future innovation.</a:t>
             </a:r>
           </a:p>
         </p:txBody>
@@ -3268,19 +3291,37 @@
         <p:txBody>
           <a:bodyPr/>
           <a:lstStyle/>
-          <a:p>
-            <a:r>
-              <a:t>• Screenshots of the application in action</a:t>
-            </a:r>
-          </a:p>
-          <a:p>
-            <a:r>
-              <a:t>• Live demo URL (if applicable)</a:t>
-            </a:r>
-          </a:p>
-          <a:p>
+          <a:p/>
+          <a:p>
+            <a:pPr>
+              <a:defRPr sz="1800"/>
+            </a:pPr>
+            <a:r>
+              <a:t>Demo Overview:</a:t>
+            </a:r>
+          </a:p>
+          <a:p>
+            <a:pPr>
+              <a:defRPr sz="1800"/>
+            </a:pPr>
+            <a:r>
+              <a:t>• Screenshots or a short video demo of the application</a:t>
+            </a:r>
+          </a:p>
+          <a:p>
+            <a:pPr>
+              <a:defRPr sz="1800"/>
+            </a:pPr>
             <a:r>
               <a:t>• Key interactions and user interface highlights</a:t>
+            </a:r>
+          </a:p>
+          <a:p>
+            <a:pPr>
+              <a:defRPr sz="1800"/>
+            </a:pPr>
+            <a:r>
+              <a:t>• Live demo URL if available</a:t>
             </a:r>
           </a:p>
         </p:txBody>
@@ -3338,24 +3379,37 @@
         <p:txBody>
           <a:bodyPr/>
           <a:lstStyle/>
-          <a:p>
-            <a:r>
-              <a:t>Overview of Crypto Bank project:</a:t>
-            </a:r>
-          </a:p>
-          <a:p>
-            <a:r>
-              <a:t>• Purpose: Secure, efficient crypto banking solution</a:t>
-            </a:r>
-          </a:p>
-          <a:p>
-            <a:r>
-              <a:t>• Technologies: Node.js, Next.js, Database, and more</a:t>
-            </a:r>
-          </a:p>
-          <a:p>
-            <a:r>
-              <a:t>• Goal: Seamless crypto and fiat transactions</a:t>
+          <a:p/>
+          <a:p>
+            <a:pPr>
+              <a:defRPr sz="1800"/>
+            </a:pPr>
+            <a:r>
+              <a:t>Overview:</a:t>
+            </a:r>
+          </a:p>
+          <a:p>
+            <a:pPr>
+              <a:defRPr sz="1800"/>
+            </a:pPr>
+            <a:r>
+              <a:t>• A secure and efficient crypto banking solution</a:t>
+            </a:r>
+          </a:p>
+          <a:p>
+            <a:pPr>
+              <a:defRPr sz="1800"/>
+            </a:pPr>
+            <a:r>
+              <a:t>• Built using Node.js for the backend and Next.js for the frontend</a:t>
+            </a:r>
+          </a:p>
+          <a:p>
+            <a:pPr>
+              <a:defRPr sz="1800"/>
+            </a:pPr>
+            <a:r>
+              <a:t>• Designed to support both crypto and fiat transactions seamlessly</a:t>
             </a:r>
           </a:p>
         </p:txBody>
@@ -3413,32 +3467,59 @@
         <p:txBody>
           <a:bodyPr/>
           <a:lstStyle/>
-          <a:p>
+          <a:p/>
+          <a:p>
+            <a:pPr>
+              <a:defRPr sz="1800"/>
+            </a:pPr>
+            <a:r>
+              <a:t>Key Features:</a:t>
+            </a:r>
+          </a:p>
+          <a:p>
+            <a:pPr>
+              <a:defRPr sz="1800"/>
+            </a:pPr>
             <a:r>
               <a:t>• User Account Management</a:t>
             </a:r>
           </a:p>
           <a:p>
-            <a:r>
-              <a:t>• Wallet System</a:t>
-            </a:r>
-          </a:p>
-          <a:p>
-            <a:r>
-              <a:t>• KYC Verification</a:t>
-            </a:r>
-          </a:p>
-          <a:p>
-            <a:r>
-              <a:t>• Merchant Transactions</a:t>
-            </a:r>
-          </a:p>
-          <a:p>
-            <a:r>
-              <a:t>• Admin &amp; Staff Management</a:t>
-            </a:r>
-          </a:p>
-          <a:p>
+            <a:pPr>
+              <a:defRPr sz="1800"/>
+            </a:pPr>
+            <a:r>
+              <a:t>• Integrated Wallet System</a:t>
+            </a:r>
+          </a:p>
+          <a:p>
+            <a:pPr>
+              <a:defRPr sz="1800"/>
+            </a:pPr>
+            <a:r>
+              <a:t>• KYC Verification Process</a:t>
+            </a:r>
+          </a:p>
+          <a:p>
+            <a:pPr>
+              <a:defRPr sz="1800"/>
+            </a:pPr>
+            <a:r>
+              <a:t>• Merchant Payment Processing</a:t>
+            </a:r>
+          </a:p>
+          <a:p>
+            <a:pPr>
+              <a:defRPr sz="1800"/>
+            </a:pPr>
+            <a:r>
+              <a:t>• Admin &amp; Staff Management Tools</a:t>
+            </a:r>
+          </a:p>
+          <a:p>
+            <a:pPr>
+              <a:defRPr sz="1800"/>
+            </a:pPr>
             <a:r>
               <a:t>• Transaction Processing (Crypto &amp; Fiat)</a:t>
             </a:r>
@@ -3498,24 +3579,37 @@
         <p:txBody>
           <a:bodyPr/>
           <a:lstStyle/>
-          <a:p>
-            <a:r>
-              <a:t>Class Diagram Overview:</a:t>
-            </a:r>
-          </a:p>
-          <a:p>
-            <a:r>
-              <a:t>• User, Wallet, KYC, Merchant, Admin, Staff, Transaction</a:t>
-            </a:r>
-          </a:p>
-          <a:p>
-            <a:r>
-              <a:t>• Relationships and key methods illustrated</a:t>
-            </a:r>
-          </a:p>
-          <a:p>
-            <a:r>
-              <a:t>• (Insert your diagram image below or reference it)</a:t>
+          <a:p/>
+          <a:p>
+            <a:pPr>
+              <a:defRPr sz="1800"/>
+            </a:pPr>
+            <a:r>
+              <a:t>Class Diagram Details:</a:t>
+            </a:r>
+          </a:p>
+          <a:p>
+            <a:pPr>
+              <a:defRPr sz="1800"/>
+            </a:pPr>
+            <a:r>
+              <a:t>• Main entities: User, Wallet, KYC, Merchant, Admin, Staff, Transaction</a:t>
+            </a:r>
+          </a:p>
+          <a:p>
+            <a:pPr>
+              <a:defRPr sz="1800"/>
+            </a:pPr>
+            <a:r>
+              <a:t>• Relationships &amp; key methods illustrated</a:t>
+            </a:r>
+          </a:p>
+          <a:p>
+            <a:pPr>
+              <a:defRPr sz="1800"/>
+            </a:pPr>
+            <a:r>
+              <a:t>• (Insert diagram image in the slide for visual reference)</a:t>
             </a:r>
           </a:p>
         </p:txBody>
@@ -3573,29 +3667,53 @@
         <p:txBody>
           <a:bodyPr/>
           <a:lstStyle/>
-          <a:p>
-            <a:r>
-              <a:t>• Frontend: Next.js</a:t>
-            </a:r>
-          </a:p>
-          <a:p>
-            <a:r>
-              <a:t>• Backend: Node.js API server</a:t>
-            </a:r>
-          </a:p>
-          <a:p>
-            <a:r>
-              <a:t>• Database: SQL/NoSQL</a:t>
-            </a:r>
-          </a:p>
-          <a:p>
-            <a:r>
-              <a:t>• Communication: RESTful API endpoints</a:t>
-            </a:r>
-          </a:p>
-          <a:p>
-            <a:r>
-              <a:t>• Security: Authentication, encryption, etc.</a:t>
+          <a:p/>
+          <a:p>
+            <a:pPr>
+              <a:defRPr sz="1800"/>
+            </a:pPr>
+            <a:r>
+              <a:t>Architecture Overview:</a:t>
+            </a:r>
+          </a:p>
+          <a:p>
+            <a:pPr>
+              <a:defRPr sz="1800"/>
+            </a:pPr>
+            <a:r>
+              <a:t>• Frontend: Next.js for dynamic user interfaces</a:t>
+            </a:r>
+          </a:p>
+          <a:p>
+            <a:pPr>
+              <a:defRPr sz="1800"/>
+            </a:pPr>
+            <a:r>
+              <a:t>• Backend: Node.js with RESTful API endpoints</a:t>
+            </a:r>
+          </a:p>
+          <a:p>
+            <a:pPr>
+              <a:defRPr sz="1800"/>
+            </a:pPr>
+            <a:r>
+              <a:t>• Database: SQL/NoSQL options depending on needs</a:t>
+            </a:r>
+          </a:p>
+          <a:p>
+            <a:pPr>
+              <a:defRPr sz="1800"/>
+            </a:pPr>
+            <a:r>
+              <a:t>• Security: JWT authentication and data encryption</a:t>
+            </a:r>
+          </a:p>
+          <a:p>
+            <a:pPr>
+              <a:defRPr sz="1800"/>
+            </a:pPr>
+            <a:r>
+              <a:t>• Communication: API-driven interactions between services</a:t>
             </a:r>
           </a:p>
         </p:txBody>
@@ -3653,29 +3771,53 @@
         <p:txBody>
           <a:bodyPr/>
           <a:lstStyle/>
-          <a:p>
+          <a:p/>
+          <a:p>
+            <a:pPr>
+              <a:defRPr sz="1800"/>
+            </a:pPr>
+            <a:r>
+              <a:t>User Journey:</a:t>
+            </a:r>
+          </a:p>
+          <a:p>
+            <a:pPr>
+              <a:defRPr sz="1800"/>
+            </a:pPr>
             <a:r>
               <a:t>1. User Registration &amp; KYC Verification</a:t>
             </a:r>
           </a:p>
           <a:p>
+            <a:pPr>
+              <a:defRPr sz="1800"/>
+            </a:pPr>
             <a:r>
               <a:t>2. Wallet Creation &amp; Funding</a:t>
             </a:r>
           </a:p>
           <a:p>
-            <a:r>
-              <a:t>3. Transaction Initiation (Crypto/Fiat)</a:t>
-            </a:r>
-          </a:p>
-          <a:p>
+            <a:pPr>
+              <a:defRPr sz="1800"/>
+            </a:pPr>
+            <a:r>
+              <a:t>3. Initiation of Crypto/Fiat Transactions</a:t>
+            </a:r>
+          </a:p>
+          <a:p>
+            <a:pPr>
+              <a:defRPr sz="1800"/>
+            </a:pPr>
             <a:r>
               <a:t>4. Merchant Payment Processing</a:t>
             </a:r>
           </a:p>
           <a:p>
-            <a:r>
-              <a:t>5. Admin/Staff Oversight &amp; Support</a:t>
+            <a:pPr>
+              <a:defRPr sz="1800"/>
+            </a:pPr>
+            <a:r>
+              <a:t>5. Ongoing Admin/Staff Management</a:t>
             </a:r>
           </a:p>
         </p:txBody>
@@ -3733,34 +3875,61 @@
         <p:txBody>
           <a:bodyPr/>
           <a:lstStyle/>
-          <a:p>
+          <a:p/>
+          <a:p>
+            <a:pPr>
+              <a:defRPr sz="1800"/>
+            </a:pPr>
+            <a:r>
+              <a:t>Technology Stack:</a:t>
+            </a:r>
+          </a:p>
+          <a:p>
+            <a:pPr>
+              <a:defRPr sz="1800"/>
+            </a:pPr>
             <a:r>
               <a:t>• Frontend: Next.js, Tailwind CSS (or another UI framework)</a:t>
             </a:r>
           </a:p>
           <a:p>
-            <a:r>
-              <a:t>• Backend: Node.js (Express/NestJS)</a:t>
-            </a:r>
-          </a:p>
-          <a:p>
-            <a:r>
-              <a:t>• Database: MongoDB/PostgreSQL (or others)</a:t>
-            </a:r>
-          </a:p>
-          <a:p>
+            <a:pPr>
+              <a:defRPr sz="1800"/>
+            </a:pPr>
+            <a:r>
+              <a:t>• Backend: Node.js (Express or NestJS)</a:t>
+            </a:r>
+          </a:p>
+          <a:p>
+            <a:pPr>
+              <a:defRPr sz="1800"/>
+            </a:pPr>
+            <a:r>
+              <a:t>• Database: MongoDB / PostgreSQL</a:t>
+            </a:r>
+          </a:p>
+          <a:p>
+            <a:pPr>
+              <a:defRPr sz="1800"/>
+            </a:pPr>
             <a:r>
               <a:t>• Authentication: JWT, OAuth</a:t>
             </a:r>
           </a:p>
           <a:p>
-            <a:r>
-              <a:t>• Payment Integration: Crypto APIs (e.g., Binance, Coinbase)</a:t>
-            </a:r>
-          </a:p>
-          <a:p>
-            <a:r>
-              <a:t>• Tools: Docker, CI/CD pipelines</a:t>
+            <a:pPr>
+              <a:defRPr sz="1800"/>
+            </a:pPr>
+            <a:r>
+              <a:t>• Payment Integration: APIs (e.g., Binance, Coinbase)</a:t>
+            </a:r>
+          </a:p>
+          <a:p>
+            <a:pPr>
+              <a:defRPr sz="1800"/>
+            </a:pPr>
+            <a:r>
+              <a:t>• DevOps: Docker, CI/CD pipelines</a:t>
             </a:r>
           </a:p>
         </p:txBody>
@@ -3818,19 +3987,74 @@
         <p:txBody>
           <a:bodyPr/>
           <a:lstStyle/>
-          <a:p>
-            <a:r>
-              <a:t>• Security Concerns: Implement robust encryption &amp; authentication</a:t>
-            </a:r>
-          </a:p>
-          <a:p>
-            <a:r>
-              <a:t>• Transaction Speed: Optimize API performance</a:t>
-            </a:r>
-          </a:p>
-          <a:p>
-            <a:r>
-              <a:t>• Scalability: Design for future growth and multi-chain support</a:t>
+          <a:p/>
+          <a:p>
+            <a:pPr>
+              <a:defRPr sz="1800"/>
+            </a:pPr>
+            <a:r>
+              <a:t>Project Challenges:</a:t>
+            </a:r>
+          </a:p>
+          <a:p>
+            <a:pPr>
+              <a:defRPr sz="1800"/>
+            </a:pPr>
+            <a:r>
+              <a:t>• Ensuring robust security and data encryption</a:t>
+            </a:r>
+          </a:p>
+          <a:p>
+            <a:pPr>
+              <a:defRPr sz="1800"/>
+            </a:pPr>
+            <a:r>
+              <a:t>• Optimizing transaction speed and reliability</a:t>
+            </a:r>
+          </a:p>
+          <a:p>
+            <a:pPr>
+              <a:defRPr sz="1800"/>
+            </a:pPr>
+            <a:r>
+              <a:t>• Scalability to handle growing user base</a:t>
+            </a:r>
+          </a:p>
+          <a:p>
+            <a:pPr>
+              <a:defRPr sz="1800"/>
+            </a:pPr>
+          </a:p>
+          <a:p>
+            <a:pPr>
+              <a:defRPr sz="1800"/>
+            </a:pPr>
+            <a:r>
+              <a:t>Solutions:</a:t>
+            </a:r>
+          </a:p>
+          <a:p>
+            <a:pPr>
+              <a:defRPr sz="1800"/>
+            </a:pPr>
+            <a:r>
+              <a:t>• Implementing state-of-the-art security protocols</a:t>
+            </a:r>
+          </a:p>
+          <a:p>
+            <a:pPr>
+              <a:defRPr sz="1800"/>
+            </a:pPr>
+            <a:r>
+              <a:t>• Performance tuning of API endpoints</a:t>
+            </a:r>
+          </a:p>
+          <a:p>
+            <a:pPr>
+              <a:defRPr sz="1800"/>
+            </a:pPr>
+            <a:r>
+              <a:t>• Designing with scalability in mind (microservices, load balancing)</a:t>
             </a:r>
           </a:p>
         </p:txBody>
@@ -3888,24 +4112,45 @@
         <p:txBody>
           <a:bodyPr/>
           <a:lstStyle/>
-          <a:p>
-            <a:r>
-              <a:t>• Multi-chain support</a:t>
-            </a:r>
-          </a:p>
-          <a:p>
-            <a:r>
-              <a:t>• Staking &amp; lending features</a:t>
-            </a:r>
-          </a:p>
-          <a:p>
-            <a:r>
-              <a:t>• Improved UI/UX design</a:t>
-            </a:r>
-          </a:p>
-          <a:p>
-            <a:r>
-              <a:t>• Advanced analytics &amp; reporting</a:t>
+          <a:p/>
+          <a:p>
+            <a:pPr>
+              <a:defRPr sz="1800"/>
+            </a:pPr>
+            <a:r>
+              <a:t>Planned Enhancements:</a:t>
+            </a:r>
+          </a:p>
+          <a:p>
+            <a:pPr>
+              <a:defRPr sz="1800"/>
+            </a:pPr>
+            <a:r>
+              <a:t>• Multi-chain support for broader crypto integration</a:t>
+            </a:r>
+          </a:p>
+          <a:p>
+            <a:pPr>
+              <a:defRPr sz="1800"/>
+            </a:pPr>
+            <a:r>
+              <a:t>• Additional financial features (staking, lending)</a:t>
+            </a:r>
+          </a:p>
+          <a:p>
+            <a:pPr>
+              <a:defRPr sz="1800"/>
+            </a:pPr>
+            <a:r>
+              <a:t>• Advanced analytics and reporting tools</a:t>
+            </a:r>
+          </a:p>
+          <a:p>
+            <a:pPr>
+              <a:defRPr sz="1800"/>
+            </a:pPr>
+            <a:r>
+              <a:t>• Continuous UI/UX improvements based on user feedback</a:t>
             </a:r>
           </a:p>
         </p:txBody>
